--- a/docs/diagrams/UndoRedoStartingStateListDiagram.pptx
+++ b/docs/diagrams/UndoRedoStartingStateListDiagram.pptx
@@ -112,10 +112,6 @@
 </p:presentation>
 </file>
 
-<file path=ppt/revisionInfo.xml><?xml version="1.0" encoding="utf-8"?>
-<p1510:revInfo xmlns:a="http://schemas.openxmlformats.org/drawingml/2006/main" xmlns:r="http://schemas.openxmlformats.org/officeDocument/2006/relationships" xmlns:p1510="http://schemas.microsoft.com/office/powerpoint/2015/10/main"/>
-</file>
-
 <file path=ppt/slideLayouts/slideLayout1.xml><?xml version="1.0" encoding="utf-8"?>
 <p:sldLayout xmlns:a="http://schemas.openxmlformats.org/drawingml/2006/main" xmlns:r="http://schemas.openxmlformats.org/officeDocument/2006/relationships" xmlns:p="http://schemas.openxmlformats.org/presentationml/2006/main" type="title" preserve="1">
   <p:cSld name="Title Slide">
@@ -245,7 +241,7 @@
           <a:p>
             <a:fld id="{8B2F8DF3-7CFE-4C7E-A62E-FD00A81FB0CD}" type="datetimeFigureOut">
               <a:rPr lang="en-US" smtClean="0"/>
-              <a:t>7/6/2018</a:t>
+              <a:t>3/26/2019</a:t>
             </a:fld>
             <a:endParaRPr lang="en-US"/>
           </a:p>
@@ -413,7 +409,7 @@
           <a:p>
             <a:fld id="{8B2F8DF3-7CFE-4C7E-A62E-FD00A81FB0CD}" type="datetimeFigureOut">
               <a:rPr lang="en-US" smtClean="0"/>
-              <a:t>7/6/2018</a:t>
+              <a:t>3/26/2019</a:t>
             </a:fld>
             <a:endParaRPr lang="en-US"/>
           </a:p>
@@ -591,7 +587,7 @@
           <a:p>
             <a:fld id="{8B2F8DF3-7CFE-4C7E-A62E-FD00A81FB0CD}" type="datetimeFigureOut">
               <a:rPr lang="en-US" smtClean="0"/>
-              <a:t>7/6/2018</a:t>
+              <a:t>3/26/2019</a:t>
             </a:fld>
             <a:endParaRPr lang="en-US"/>
           </a:p>
@@ -759,7 +755,7 @@
           <a:p>
             <a:fld id="{8B2F8DF3-7CFE-4C7E-A62E-FD00A81FB0CD}" type="datetimeFigureOut">
               <a:rPr lang="en-US" smtClean="0"/>
-              <a:t>7/6/2018</a:t>
+              <a:t>3/26/2019</a:t>
             </a:fld>
             <a:endParaRPr lang="en-US"/>
           </a:p>
@@ -1004,7 +1000,7 @@
           <a:p>
             <a:fld id="{8B2F8DF3-7CFE-4C7E-A62E-FD00A81FB0CD}" type="datetimeFigureOut">
               <a:rPr lang="en-US" smtClean="0"/>
-              <a:t>7/6/2018</a:t>
+              <a:t>3/26/2019</a:t>
             </a:fld>
             <a:endParaRPr lang="en-US"/>
           </a:p>
@@ -1233,7 +1229,7 @@
           <a:p>
             <a:fld id="{8B2F8DF3-7CFE-4C7E-A62E-FD00A81FB0CD}" type="datetimeFigureOut">
               <a:rPr lang="en-US" smtClean="0"/>
-              <a:t>7/6/2018</a:t>
+              <a:t>3/26/2019</a:t>
             </a:fld>
             <a:endParaRPr lang="en-US"/>
           </a:p>
@@ -1597,7 +1593,7 @@
           <a:p>
             <a:fld id="{8B2F8DF3-7CFE-4C7E-A62E-FD00A81FB0CD}" type="datetimeFigureOut">
               <a:rPr lang="en-US" smtClean="0"/>
-              <a:t>7/6/2018</a:t>
+              <a:t>3/26/2019</a:t>
             </a:fld>
             <a:endParaRPr lang="en-US"/>
           </a:p>
@@ -1714,7 +1710,7 @@
           <a:p>
             <a:fld id="{8B2F8DF3-7CFE-4C7E-A62E-FD00A81FB0CD}" type="datetimeFigureOut">
               <a:rPr lang="en-US" smtClean="0"/>
-              <a:t>7/6/2018</a:t>
+              <a:t>3/26/2019</a:t>
             </a:fld>
             <a:endParaRPr lang="en-US"/>
           </a:p>
@@ -1809,7 +1805,7 @@
           <a:p>
             <a:fld id="{8B2F8DF3-7CFE-4C7E-A62E-FD00A81FB0CD}" type="datetimeFigureOut">
               <a:rPr lang="en-US" smtClean="0"/>
-              <a:t>7/6/2018</a:t>
+              <a:t>3/26/2019</a:t>
             </a:fld>
             <a:endParaRPr lang="en-US"/>
           </a:p>
@@ -2084,7 +2080,7 @@
           <a:p>
             <a:fld id="{8B2F8DF3-7CFE-4C7E-A62E-FD00A81FB0CD}" type="datetimeFigureOut">
               <a:rPr lang="en-US" smtClean="0"/>
-              <a:t>7/6/2018</a:t>
+              <a:t>3/26/2019</a:t>
             </a:fld>
             <a:endParaRPr lang="en-US"/>
           </a:p>
@@ -2336,7 +2332,7 @@
           <a:p>
             <a:fld id="{8B2F8DF3-7CFE-4C7E-A62E-FD00A81FB0CD}" type="datetimeFigureOut">
               <a:rPr lang="en-US" smtClean="0"/>
-              <a:t>7/6/2018</a:t>
+              <a:t>3/26/2019</a:t>
             </a:fld>
             <a:endParaRPr lang="en-US"/>
           </a:p>
@@ -2547,7 +2543,7 @@
           <a:p>
             <a:fld id="{8B2F8DF3-7CFE-4C7E-A62E-FD00A81FB0CD}" type="datetimeFigureOut">
               <a:rPr lang="en-US" smtClean="0"/>
-              <a:t>7/6/2018</a:t>
+              <a:t>3/26/2019</a:t>
             </a:fld>
             <a:endParaRPr lang="en-US"/>
           </a:p>
@@ -2996,74 +2992,6 @@
           </a:p>
         </p:txBody>
       </p:sp>
-      <p:graphicFrame>
-        <p:nvGraphicFramePr>
-          <p:cNvPr id="5" name="Table 4">
-            <a:extLst>
-              <a:ext uri="{FF2B5EF4-FFF2-40B4-BE49-F238E27FC236}">
-                <a16:creationId xmlns:a16="http://schemas.microsoft.com/office/drawing/2014/main" id="{F545FAB8-F1CE-4886-9BDE-E772BCB0A9C4}"/>
-              </a:ext>
-            </a:extLst>
-          </p:cNvPr>
-          <p:cNvGraphicFramePr>
-            <a:graphicFrameLocks noGrp="1"/>
-          </p:cNvGraphicFramePr>
-          <p:nvPr>
-            <p:extLst>
-              <p:ext uri="{D42A27DB-BD31-4B8C-83A1-F6EECF244321}">
-                <p14:modId xmlns:p14="http://schemas.microsoft.com/office/powerpoint/2010/main" val="1292556626"/>
-              </p:ext>
-            </p:extLst>
-          </p:nvPr>
-        </p:nvGraphicFramePr>
-        <p:xfrm>
-          <a:off x="637997" y="2769442"/>
-          <a:ext cx="1833356" cy="410363"/>
-        </p:xfrm>
-        <a:graphic>
-          <a:graphicData uri="http://schemas.openxmlformats.org/drawingml/2006/table">
-            <a:tbl>
-              <a:tblPr>
-                <a:tableStyleId>{638B1855-1B75-4FBE-930C-398BA8C253C6}</a:tableStyleId>
-              </a:tblPr>
-              <a:tblGrid>
-                <a:gridCol w="1833356">
-                  <a:extLst>
-                    <a:ext uri="{9D8B030D-6E8A-4147-A177-3AD203B41FA5}">
-                      <a16:colId xmlns:a16="http://schemas.microsoft.com/office/drawing/2014/main" val="4240773277"/>
-                    </a:ext>
-                  </a:extLst>
-                </a:gridCol>
-              </a:tblGrid>
-              <a:tr h="410363">
-                <a:tc>
-                  <a:txBody>
-                    <a:bodyPr/>
-                    <a:lstStyle/>
-                    <a:p>
-                      <a:r>
-                        <a:rPr lang="en-SG" u="sng" dirty="0"/>
-                        <a:t>ab0:</a:t>
-                      </a:r>
-                      <a:r>
-                        <a:rPr lang="en-SG" sz="1800" u="sng" dirty="0"/>
-                        <a:t>AddressBook</a:t>
-                      </a:r>
-                      <a:endParaRPr lang="en-SG" sz="1600" u="sng" dirty="0"/>
-                    </a:p>
-                  </a:txBody>
-                  <a:tcPr/>
-                </a:tc>
-                <a:extLst>
-                  <a:ext uri="{0D108BD9-81ED-4DB2-BD59-A6C34878D82A}">
-                    <a16:rowId xmlns:a16="http://schemas.microsoft.com/office/drawing/2014/main" val="2194462629"/>
-                  </a:ext>
-                </a:extLst>
-              </a:tr>
-            </a:tbl>
-          </a:graphicData>
-        </a:graphic>
-      </p:graphicFrame>
       <p:sp>
         <p:nvSpPr>
           <p:cNvPr id="7" name="Rectangle 6"/>
@@ -3126,7 +3054,7 @@
         </p:nvCxnSpPr>
         <p:spPr>
           <a:xfrm flipV="1">
-            <a:off x="1577130" y="3347207"/>
+            <a:off x="1151002" y="3347207"/>
             <a:ext cx="0" cy="706873"/>
           </a:xfrm>
           <a:prstGeom prst="straightConnector1">
@@ -3154,6 +3082,74 @@
           </a:fontRef>
         </p:style>
       </p:cxnSp>
+      <p:graphicFrame>
+        <p:nvGraphicFramePr>
+          <p:cNvPr id="6" name="Table 5">
+            <a:extLst>
+              <a:ext uri="{FF2B5EF4-FFF2-40B4-BE49-F238E27FC236}">
+                <a16:creationId xmlns:a16="http://schemas.microsoft.com/office/drawing/2014/main" id="{E91F7AE0-632C-469F-BEF8-D2E9E650BF84}"/>
+              </a:ext>
+            </a:extLst>
+          </p:cNvPr>
+          <p:cNvGraphicFramePr>
+            <a:graphicFrameLocks noGrp="1"/>
+          </p:cNvGraphicFramePr>
+          <p:nvPr>
+            <p:extLst>
+              <p:ext uri="{D42A27DB-BD31-4B8C-83A1-F6EECF244321}">
+                <p14:modId xmlns:p14="http://schemas.microsoft.com/office/powerpoint/2010/main" val="2316263561"/>
+              </p:ext>
+            </p:extLst>
+          </p:nvPr>
+        </p:nvGraphicFramePr>
+        <p:xfrm>
+          <a:off x="677426" y="2784827"/>
+          <a:ext cx="1186878" cy="417888"/>
+        </p:xfrm>
+        <a:graphic>
+          <a:graphicData uri="http://schemas.openxmlformats.org/drawingml/2006/table">
+            <a:tbl>
+              <a:tblPr>
+                <a:tableStyleId>{638B1855-1B75-4FBE-930C-398BA8C253C6}</a:tableStyleId>
+              </a:tblPr>
+              <a:tblGrid>
+                <a:gridCol w="1186878">
+                  <a:extLst>
+                    <a:ext uri="{9D8B030D-6E8A-4147-A177-3AD203B41FA5}">
+                      <a16:colId xmlns:a16="http://schemas.microsoft.com/office/drawing/2014/main" val="4240773277"/>
+                    </a:ext>
+                  </a:extLst>
+                </a:gridCol>
+              </a:tblGrid>
+              <a:tr h="417888">
+                <a:tc>
+                  <a:txBody>
+                    <a:bodyPr/>
+                    <a:lstStyle/>
+                    <a:p>
+                      <a:r>
+                        <a:rPr lang="en-SG" u="sng" dirty="0"/>
+                        <a:t>p0:</a:t>
+                      </a:r>
+                      <a:r>
+                        <a:rPr lang="en-SG" sz="1800" u="sng" dirty="0"/>
+                        <a:t>Project</a:t>
+                      </a:r>
+                      <a:endParaRPr lang="en-SG" u="sng" dirty="0"/>
+                    </a:p>
+                  </a:txBody>
+                  <a:tcPr/>
+                </a:tc>
+                <a:extLst>
+                  <a:ext uri="{0D108BD9-81ED-4DB2-BD59-A6C34878D82A}">
+                    <a16:rowId xmlns:a16="http://schemas.microsoft.com/office/drawing/2014/main" val="2194462629"/>
+                  </a:ext>
+                </a:extLst>
+              </a:tr>
+            </a:tbl>
+          </a:graphicData>
+        </a:graphic>
+      </p:graphicFrame>
     </p:spTree>
     <p:extLst>
       <p:ext uri="{BB962C8B-B14F-4D97-AF65-F5344CB8AC3E}">
